--- a/Class 5/Operator.pptx
+++ b/Class 5/Operator.pptx
@@ -7,13 +7,9 @@
   <p:sldIdLst>
     <p:sldId id="256" r:id="rId2"/>
     <p:sldId id="257" r:id="rId3"/>
-    <p:sldId id="258" r:id="rId4"/>
-    <p:sldId id="259" r:id="rId5"/>
-    <p:sldId id="260" r:id="rId6"/>
-    <p:sldId id="261" r:id="rId7"/>
-    <p:sldId id="262" r:id="rId8"/>
-    <p:sldId id="263" r:id="rId9"/>
-    <p:sldId id="264" r:id="rId10"/>
+    <p:sldId id="259" r:id="rId4"/>
+    <p:sldId id="260" r:id="rId5"/>
+    <p:sldId id="261" r:id="rId6"/>
   </p:sldIdLst>
   <p:sldSz cx="12192000" cy="6858000"/>
   <p:notesSz cx="6858000" cy="9144000"/>
@@ -3364,20 +3360,6 @@
               <a:rPr lang="en-US" dirty="0"/>
               <a:t>Operators</a:t>
             </a:r>
-            <a:br>
-              <a:rPr lang="en-US" dirty="0"/>
-            </a:br>
-            <a:r>
-              <a:rPr lang="en-US" dirty="0"/>
-              <a:t>&amp;</a:t>
-            </a:r>
-            <a:br>
-              <a:rPr lang="en-US" dirty="0"/>
-            </a:br>
-            <a:r>
-              <a:rPr lang="en-US" dirty="0"/>
-              <a:t>Conditional Statements</a:t>
-            </a:r>
           </a:p>
         </p:txBody>
       </p:sp>
@@ -3595,7 +3577,7 @@
           <p:cNvPr id="2" name="Title 1">
             <a:extLst>
               <a:ext uri="{FF2B5EF4-FFF2-40B4-BE49-F238E27FC236}">
-                <a16:creationId xmlns:a16="http://schemas.microsoft.com/office/drawing/2014/main" id="{7AFC8975-AB50-D80F-6116-21FDA55F5388}"/>
+                <a16:creationId xmlns:a16="http://schemas.microsoft.com/office/drawing/2014/main" id="{86669C56-EEDD-9BAE-59A0-7BC83435A13C}"/>
               </a:ext>
             </a:extLst>
           </p:cNvPr>
@@ -3623,7 +3605,7 @@
                 </a:highlight>
                 <a:latin typeface="Roboto" panose="02000000000000000000" pitchFamily="2" charset="0"/>
               </a:rPr>
-              <a:t>Arithmetic operators</a:t>
+              <a:t>Assignment operators</a:t>
             </a:r>
             <a:endParaRPr lang="en-US" dirty="0"/>
           </a:p>
@@ -3634,7 +3616,7 @@
           <p:cNvPr id="3" name="Content Placeholder 2">
             <a:extLst>
               <a:ext uri="{FF2B5EF4-FFF2-40B4-BE49-F238E27FC236}">
-                <a16:creationId xmlns:a16="http://schemas.microsoft.com/office/drawing/2014/main" id="{FF943BD4-DA7D-0789-7A5F-08065F52FBEE}"/>
+                <a16:creationId xmlns:a16="http://schemas.microsoft.com/office/drawing/2014/main" id="{2C3B163B-F250-C0A4-F88F-41818989CE16}"/>
               </a:ext>
             </a:extLst>
           </p:cNvPr>
@@ -3647,12 +3629,13 @@
         </p:nvSpPr>
         <p:spPr/>
         <p:txBody>
-          <a:bodyPr/>
-          <a:lstStyle/>
-          <a:p>
-            <a:pPr algn="l">
-              <a:buFont typeface="Arial" panose="020B0604020202020204" pitchFamily="34" charset="0"/>
-              <a:buChar char="•"/>
+          <a:bodyPr>
+            <a:normAutofit fontScale="92500" lnSpcReduction="20000"/>
+          </a:bodyPr>
+          <a:lstStyle/>
+          <a:p>
+            <a:pPr marL="0" indent="0">
+              <a:buNone/>
             </a:pPr>
             <a:r>
               <a:rPr lang="en-US" b="0" i="0" dirty="0">
@@ -3665,129 +3648,144 @@
                 </a:highlight>
                 <a:latin typeface="Roboto" panose="02000000000000000000" pitchFamily="2" charset="0"/>
               </a:rPr>
-              <a:t>Addition           ---&gt;   “+”</a:t>
-            </a:r>
-          </a:p>
-          <a:p>
-            <a:pPr algn="l">
-              <a:buFont typeface="Arial" panose="020B0604020202020204" pitchFamily="34" charset="0"/>
-              <a:buChar char="•"/>
+              <a:t>Assignment operators are used to assign values to variables.</a:t>
+            </a:r>
+          </a:p>
+          <a:p>
+            <a:pPr marL="0" indent="0">
+              <a:buNone/>
             </a:pPr>
-            <a:r>
-              <a:rPr lang="en-US" b="0" i="0" dirty="0">
+            <a:endParaRPr lang="en-US" dirty="0">
+              <a:solidFill>
+                <a:srgbClr val="212121"/>
+              </a:solidFill>
+              <a:highlight>
+                <a:srgbClr val="FFFFFF"/>
+              </a:highlight>
+              <a:latin typeface="Roboto" panose="02000000000000000000" pitchFamily="2" charset="0"/>
+            </a:endParaRPr>
+          </a:p>
+          <a:p>
+            <a:pPr marL="0" indent="0">
+              <a:buNone/>
+            </a:pPr>
+            <a:r>
+              <a:rPr lang="en-US" dirty="0">
                 <a:solidFill>
                   <a:srgbClr val="212121"/>
                 </a:solidFill>
-                <a:effectLst/>
                 <a:highlight>
                   <a:srgbClr val="FFFFFF"/>
                 </a:highlight>
                 <a:latin typeface="Roboto" panose="02000000000000000000" pitchFamily="2" charset="0"/>
               </a:rPr>
-              <a:t>Subtraction     ---&gt;    “-”</a:t>
-            </a:r>
-          </a:p>
-          <a:p>
-            <a:pPr algn="l">
-              <a:buFont typeface="Arial" panose="020B0604020202020204" pitchFamily="34" charset="0"/>
-              <a:buChar char="•"/>
-            </a:pPr>
-            <a:r>
-              <a:rPr lang="en-US" b="0" i="0" dirty="0">
-                <a:solidFill>
-                  <a:srgbClr val="212121"/>
-                </a:solidFill>
+              <a:t>Efficient Way 		     	 Normal Way</a:t>
+            </a:r>
+          </a:p>
+          <a:p>
+            <a:r>
+              <a:rPr lang="en-US" b="0" dirty="0">
                 <a:effectLst/>
                 <a:highlight>
-                  <a:srgbClr val="FFFFFF"/>
+                  <a:srgbClr val="F7F7F7"/>
                 </a:highlight>
-                <a:latin typeface="Roboto" panose="02000000000000000000" pitchFamily="2" charset="0"/>
+                <a:latin typeface="Courier New" panose="02070309020205020404" pitchFamily="49" charset="0"/>
               </a:rPr>
-              <a:t>Multiplication  ---&gt;    “*”</a:t>
-            </a:r>
-          </a:p>
-          <a:p>
-            <a:pPr algn="l">
-              <a:buFont typeface="Arial" panose="020B0604020202020204" pitchFamily="34" charset="0"/>
-              <a:buChar char="•"/>
-            </a:pPr>
-            <a:r>
-              <a:rPr lang="en-US" b="0" i="0" dirty="0">
-                <a:solidFill>
-                  <a:srgbClr val="212121"/>
-                </a:solidFill>
+              <a:t> x += 2    			  x = x+2</a:t>
+            </a:r>
+          </a:p>
+          <a:p>
+            <a:r>
+              <a:rPr lang="en-US" b="0" dirty="0">
                 <a:effectLst/>
                 <a:highlight>
-                  <a:srgbClr val="FFFFFF"/>
+                  <a:srgbClr val="F7F7F7"/>
                 </a:highlight>
-                <a:latin typeface="Roboto" panose="02000000000000000000" pitchFamily="2" charset="0"/>
+                <a:latin typeface="Courier New" panose="02070309020205020404" pitchFamily="49" charset="0"/>
               </a:rPr>
-              <a:t>Division            ---&gt;    “/”</a:t>
-            </a:r>
-          </a:p>
-          <a:p>
-            <a:pPr algn="l">
-              <a:buFont typeface="Arial" panose="020B0604020202020204" pitchFamily="34" charset="0"/>
-              <a:buChar char="•"/>
-            </a:pPr>
-            <a:r>
-              <a:rPr lang="en-US" b="0" i="0" dirty="0">
-                <a:solidFill>
-                  <a:srgbClr val="212121"/>
-                </a:solidFill>
+              <a:t>#x -= 3     			# x = x - 3</a:t>
+            </a:r>
+          </a:p>
+          <a:p>
+            <a:r>
+              <a:rPr lang="en-US" b="0" dirty="0">
                 <a:effectLst/>
                 <a:highlight>
-                  <a:srgbClr val="FFFFFF"/>
+                  <a:srgbClr val="F7F7F7"/>
                 </a:highlight>
-                <a:latin typeface="Roboto" panose="02000000000000000000" pitchFamily="2" charset="0"/>
+                <a:latin typeface="Courier New" panose="02070309020205020404" pitchFamily="49" charset="0"/>
               </a:rPr>
-              <a:t>Modulus           ---&gt;    “%”</a:t>
-            </a:r>
-          </a:p>
-          <a:p>
-            <a:pPr algn="l">
-              <a:buFont typeface="Arial" panose="020B0604020202020204" pitchFamily="34" charset="0"/>
-              <a:buChar char="•"/>
-            </a:pPr>
-            <a:r>
-              <a:rPr lang="en-US" b="0" i="0" dirty="0">
-                <a:solidFill>
-                  <a:srgbClr val="212121"/>
-                </a:solidFill>
+              <a:t>#x *= x       		# x = 5*5</a:t>
+            </a:r>
+          </a:p>
+          <a:p>
+            <a:r>
+              <a:rPr lang="en-US" b="0" dirty="0">
                 <a:effectLst/>
                 <a:highlight>
-                  <a:srgbClr val="FFFFFF"/>
+                  <a:srgbClr val="F7F7F7"/>
                 </a:highlight>
-                <a:latin typeface="Roboto" panose="02000000000000000000" pitchFamily="2" charset="0"/>
+                <a:latin typeface="Courier New" panose="02070309020205020404" pitchFamily="49" charset="0"/>
               </a:rPr>
-              <a:t>Exponential      ---&gt;    “**”</a:t>
-            </a:r>
-          </a:p>
-          <a:p>
-            <a:pPr algn="l">
-              <a:buFont typeface="Arial" panose="020B0604020202020204" pitchFamily="34" charset="0"/>
-              <a:buChar char="•"/>
-            </a:pPr>
-            <a:r>
-              <a:rPr lang="en-US" b="0" i="0" dirty="0">
-                <a:solidFill>
-                  <a:srgbClr val="212121"/>
-                </a:solidFill>
+              <a:t>#x /= 3         		# x = x/3</a:t>
+            </a:r>
+          </a:p>
+          <a:p>
+            <a:r>
+              <a:rPr lang="en-US" b="0" dirty="0">
                 <a:effectLst/>
                 <a:highlight>
-                  <a:srgbClr val="FFFFFF"/>
+                  <a:srgbClr val="F7F7F7"/>
                 </a:highlight>
-                <a:latin typeface="Roboto" panose="02000000000000000000" pitchFamily="2" charset="0"/>
+                <a:latin typeface="Courier New" panose="02070309020205020404" pitchFamily="49" charset="0"/>
               </a:rPr>
-              <a:t>Floor Division   ---&gt;    “//”</a:t>
-            </a:r>
+              <a:t>#x %= 3</a:t>
+            </a:r>
+          </a:p>
+          <a:p>
+            <a:r>
+              <a:rPr lang="en-US" b="0" dirty="0">
+                <a:effectLst/>
+                <a:highlight>
+                  <a:srgbClr val="F7F7F7"/>
+                </a:highlight>
+                <a:latin typeface="Courier New" panose="02070309020205020404" pitchFamily="49" charset="0"/>
+              </a:rPr>
+              <a:t>#x //= 3</a:t>
+            </a:r>
+          </a:p>
+          <a:p>
+            <a:r>
+              <a:rPr lang="en-US" b="0" dirty="0">
+                <a:effectLst/>
+                <a:highlight>
+                  <a:srgbClr val="F7F7F7"/>
+                </a:highlight>
+                <a:latin typeface="Courier New" panose="02070309020205020404" pitchFamily="49" charset="0"/>
+              </a:rPr>
+              <a:t>x **= 3</a:t>
+            </a:r>
+          </a:p>
+          <a:p>
+            <a:pPr marL="0" indent="0">
+              <a:buNone/>
+            </a:pPr>
+            <a:endParaRPr lang="en-US" dirty="0">
+              <a:solidFill>
+                <a:srgbClr val="212121"/>
+              </a:solidFill>
+              <a:highlight>
+                <a:srgbClr val="FFFFFF"/>
+              </a:highlight>
+              <a:latin typeface="Roboto" panose="02000000000000000000" pitchFamily="2" charset="0"/>
+            </a:endParaRPr>
           </a:p>
         </p:txBody>
       </p:sp>
     </p:spTree>
     <p:extLst>
       <p:ext uri="{BB962C8B-B14F-4D97-AF65-F5344CB8AC3E}">
-        <p14:creationId xmlns:p14="http://schemas.microsoft.com/office/powerpoint/2010/main" val="2271564602"/>
+        <p14:creationId xmlns:p14="http://schemas.microsoft.com/office/powerpoint/2010/main" val="3386491785"/>
       </p:ext>
     </p:extLst>
   </p:cSld>
@@ -3819,7 +3817,7 @@
           <p:cNvPr id="2" name="Title 1">
             <a:extLst>
               <a:ext uri="{FF2B5EF4-FFF2-40B4-BE49-F238E27FC236}">
-                <a16:creationId xmlns:a16="http://schemas.microsoft.com/office/drawing/2014/main" id="{86669C56-EEDD-9BAE-59A0-7BC83435A13C}"/>
+                <a16:creationId xmlns:a16="http://schemas.microsoft.com/office/drawing/2014/main" id="{E9087DFF-BC31-92BC-E9D8-55FA53611A34}"/>
               </a:ext>
             </a:extLst>
           </p:cNvPr>
@@ -3847,7 +3845,7 @@
                 </a:highlight>
                 <a:latin typeface="Roboto" panose="02000000000000000000" pitchFamily="2" charset="0"/>
               </a:rPr>
-              <a:t>Assignment operators</a:t>
+              <a:t>Comparison operators</a:t>
             </a:r>
             <a:endParaRPr lang="en-US" dirty="0"/>
           </a:p>
@@ -3858,7 +3856,7 @@
           <p:cNvPr id="3" name="Content Placeholder 2">
             <a:extLst>
               <a:ext uri="{FF2B5EF4-FFF2-40B4-BE49-F238E27FC236}">
-                <a16:creationId xmlns:a16="http://schemas.microsoft.com/office/drawing/2014/main" id="{2C3B163B-F250-C0A4-F88F-41818989CE16}"/>
+                <a16:creationId xmlns:a16="http://schemas.microsoft.com/office/drawing/2014/main" id="{D3E9437A-B8AE-1F55-FFD8-A67CCBC861B7}"/>
               </a:ext>
             </a:extLst>
           </p:cNvPr>
@@ -3871,12 +3869,10 @@
         </p:nvSpPr>
         <p:spPr/>
         <p:txBody>
-          <a:bodyPr>
-            <a:normAutofit fontScale="92500" lnSpcReduction="20000"/>
-          </a:bodyPr>
-          <a:lstStyle/>
-          <a:p>
-            <a:pPr marL="0" indent="0">
+          <a:bodyPr/>
+          <a:lstStyle/>
+          <a:p>
+            <a:pPr marL="0" indent="0" algn="l">
               <a:buNone/>
             </a:pPr>
             <a:r>
@@ -3890,17 +3886,18 @@
                 </a:highlight>
                 <a:latin typeface="Roboto" panose="02000000000000000000" pitchFamily="2" charset="0"/>
               </a:rPr>
-              <a:t>Assignment operators are used to assign values to variables.</a:t>
-            </a:r>
-          </a:p>
-          <a:p>
-            <a:pPr marL="0" indent="0">
+              <a:t>These are used to compare two variables with each other.</a:t>
+            </a:r>
+          </a:p>
+          <a:p>
+            <a:pPr marL="0" indent="0" algn="l">
               <a:buNone/>
             </a:pPr>
-            <a:endParaRPr lang="en-US" dirty="0">
+            <a:endParaRPr lang="en-US" b="0" i="0" dirty="0">
               <a:solidFill>
                 <a:srgbClr val="212121"/>
               </a:solidFill>
+              <a:effectLst/>
               <a:highlight>
                 <a:srgbClr val="FFFFFF"/>
               </a:highlight>
@@ -3908,126 +3905,110 @@
             </a:endParaRPr>
           </a:p>
           <a:p>
-            <a:pPr marL="0" indent="0">
-              <a:buNone/>
-            </a:pPr>
-            <a:r>
-              <a:rPr lang="en-US" dirty="0">
+            <a:pPr lvl="1"/>
+            <a:r>
+              <a:rPr lang="en-US" b="0" i="0" dirty="0">
                 <a:solidFill>
                   <a:srgbClr val="212121"/>
                 </a:solidFill>
+                <a:effectLst/>
                 <a:highlight>
                   <a:srgbClr val="FFFFFF"/>
                 </a:highlight>
                 <a:latin typeface="Roboto" panose="02000000000000000000" pitchFamily="2" charset="0"/>
               </a:rPr>
-              <a:t>Efficient Way 		     	 Normal Way</a:t>
-            </a:r>
-          </a:p>
-          <a:p>
-            <a:r>
-              <a:rPr lang="en-US" b="0" dirty="0">
+              <a:t>"&gt;" is greater than</a:t>
+            </a:r>
+          </a:p>
+          <a:p>
+            <a:pPr lvl="1"/>
+            <a:r>
+              <a:rPr lang="en-US" b="0" i="0" dirty="0">
+                <a:solidFill>
+                  <a:srgbClr val="212121"/>
+                </a:solidFill>
                 <a:effectLst/>
                 <a:highlight>
-                  <a:srgbClr val="F7F7F7"/>
+                  <a:srgbClr val="FFFFFF"/>
                 </a:highlight>
-                <a:latin typeface="Courier New" panose="02070309020205020404" pitchFamily="49" charset="0"/>
+                <a:latin typeface="Roboto" panose="02000000000000000000" pitchFamily="2" charset="0"/>
               </a:rPr>
-              <a:t> x += 2    			  x = x+2</a:t>
-            </a:r>
-          </a:p>
-          <a:p>
-            <a:r>
-              <a:rPr lang="en-US" b="0" dirty="0">
+              <a:t>"&lt;" is smaller than</a:t>
+            </a:r>
+          </a:p>
+          <a:p>
+            <a:pPr lvl="1"/>
+            <a:r>
+              <a:rPr lang="en-US" b="0" i="0" dirty="0">
+                <a:solidFill>
+                  <a:srgbClr val="212121"/>
+                </a:solidFill>
                 <a:effectLst/>
                 <a:highlight>
-                  <a:srgbClr val="F7F7F7"/>
+                  <a:srgbClr val="FFFFFF"/>
                 </a:highlight>
-                <a:latin typeface="Courier New" panose="02070309020205020404" pitchFamily="49" charset="0"/>
+                <a:latin typeface="Roboto" panose="02000000000000000000" pitchFamily="2" charset="0"/>
               </a:rPr>
-              <a:t>#x -= 3     			# x = x - 3</a:t>
-            </a:r>
-          </a:p>
-          <a:p>
-            <a:r>
-              <a:rPr lang="en-US" b="0" dirty="0">
+              <a:t>"&gt;=" is greater than or equal to</a:t>
+            </a:r>
+          </a:p>
+          <a:p>
+            <a:pPr lvl="1"/>
+            <a:r>
+              <a:rPr lang="en-US" b="0" i="0" dirty="0">
+                <a:solidFill>
+                  <a:srgbClr val="212121"/>
+                </a:solidFill>
                 <a:effectLst/>
                 <a:highlight>
-                  <a:srgbClr val="F7F7F7"/>
+                  <a:srgbClr val="FFFFFF"/>
                 </a:highlight>
-                <a:latin typeface="Courier New" panose="02070309020205020404" pitchFamily="49" charset="0"/>
+                <a:latin typeface="Roboto" panose="02000000000000000000" pitchFamily="2" charset="0"/>
               </a:rPr>
-              <a:t>#x *= x       		# x = 5*5</a:t>
-            </a:r>
-          </a:p>
-          <a:p>
-            <a:r>
-              <a:rPr lang="en-US" b="0" dirty="0">
+              <a:t>"&lt;=" is smaller than or equal to</a:t>
+            </a:r>
+          </a:p>
+          <a:p>
+            <a:pPr lvl="1"/>
+            <a:r>
+              <a:rPr lang="en-US" b="0" i="0" dirty="0">
+                <a:solidFill>
+                  <a:srgbClr val="212121"/>
+                </a:solidFill>
                 <a:effectLst/>
                 <a:highlight>
-                  <a:srgbClr val="F7F7F7"/>
+                  <a:srgbClr val="FFFFFF"/>
                 </a:highlight>
-                <a:latin typeface="Courier New" panose="02070309020205020404" pitchFamily="49" charset="0"/>
+                <a:latin typeface="Roboto" panose="02000000000000000000" pitchFamily="2" charset="0"/>
               </a:rPr>
-              <a:t>#x /= 3         		# x = x/3</a:t>
-            </a:r>
-          </a:p>
-          <a:p>
-            <a:r>
-              <a:rPr lang="en-US" b="0" dirty="0">
+              <a:t>"==" is equal to</a:t>
+            </a:r>
+          </a:p>
+          <a:p>
+            <a:pPr lvl="1"/>
+            <a:r>
+              <a:rPr lang="en-US" b="0" i="0" dirty="0">
+                <a:solidFill>
+                  <a:srgbClr val="212121"/>
+                </a:solidFill>
                 <a:effectLst/>
                 <a:highlight>
-                  <a:srgbClr val="F7F7F7"/>
+                  <a:srgbClr val="FFFFFF"/>
                 </a:highlight>
-                <a:latin typeface="Courier New" panose="02070309020205020404" pitchFamily="49" charset="0"/>
+                <a:latin typeface="Roboto" panose="02000000000000000000" pitchFamily="2" charset="0"/>
               </a:rPr>
-              <a:t>#x %= 3</a:t>
-            </a:r>
-          </a:p>
-          <a:p>
-            <a:r>
-              <a:rPr lang="en-US" b="0" dirty="0">
-                <a:effectLst/>
-                <a:highlight>
-                  <a:srgbClr val="F7F7F7"/>
-                </a:highlight>
-                <a:latin typeface="Courier New" panose="02070309020205020404" pitchFamily="49" charset="0"/>
-              </a:rPr>
-              <a:t>#x //= 3</a:t>
-            </a:r>
-          </a:p>
-          <a:p>
-            <a:r>
-              <a:rPr lang="en-US" b="0" dirty="0">
-                <a:effectLst/>
-                <a:highlight>
-                  <a:srgbClr val="F7F7F7"/>
-                </a:highlight>
-                <a:latin typeface="Courier New" panose="02070309020205020404" pitchFamily="49" charset="0"/>
-              </a:rPr>
-              <a:t>x **= 3</a:t>
-            </a:r>
-          </a:p>
-          <a:p>
-            <a:pPr marL="0" indent="0">
-              <a:buNone/>
-            </a:pPr>
-            <a:endParaRPr lang="en-US" dirty="0">
-              <a:solidFill>
-                <a:srgbClr val="212121"/>
-              </a:solidFill>
-              <a:highlight>
-                <a:srgbClr val="FFFFFF"/>
-              </a:highlight>
-              <a:latin typeface="Roboto" panose="02000000000000000000" pitchFamily="2" charset="0"/>
-            </a:endParaRPr>
+              <a:t>"!=" is not equal to</a:t>
+            </a:r>
+          </a:p>
+          <a:p>
+            <a:endParaRPr lang="en-US" dirty="0"/>
           </a:p>
         </p:txBody>
       </p:sp>
     </p:spTree>
     <p:extLst>
       <p:ext uri="{BB962C8B-B14F-4D97-AF65-F5344CB8AC3E}">
-        <p14:creationId xmlns:p14="http://schemas.microsoft.com/office/powerpoint/2010/main" val="3386491785"/>
+        <p14:creationId xmlns:p14="http://schemas.microsoft.com/office/powerpoint/2010/main" val="3542893684"/>
       </p:ext>
     </p:extLst>
   </p:cSld>
@@ -4059,229 +4040,6 @@
           <p:cNvPr id="2" name="Title 1">
             <a:extLst>
               <a:ext uri="{FF2B5EF4-FFF2-40B4-BE49-F238E27FC236}">
-                <a16:creationId xmlns:a16="http://schemas.microsoft.com/office/drawing/2014/main" id="{E9087DFF-BC31-92BC-E9D8-55FA53611A34}"/>
-              </a:ext>
-            </a:extLst>
-          </p:cNvPr>
-          <p:cNvSpPr>
-            <a:spLocks noGrp="1"/>
-          </p:cNvSpPr>
-          <p:nvPr>
-            <p:ph type="title"/>
-          </p:nvPr>
-        </p:nvSpPr>
-        <p:spPr/>
-        <p:txBody>
-          <a:bodyPr/>
-          <a:lstStyle/>
-          <a:p>
-            <a:pPr algn="ctr"/>
-            <a:r>
-              <a:rPr lang="en-US" b="0" i="0" dirty="0">
-                <a:solidFill>
-                  <a:srgbClr val="212121"/>
-                </a:solidFill>
-                <a:effectLst/>
-                <a:highlight>
-                  <a:srgbClr val="FFFFFF"/>
-                </a:highlight>
-                <a:latin typeface="Roboto" panose="02000000000000000000" pitchFamily="2" charset="0"/>
-              </a:rPr>
-              <a:t>Comparison operators</a:t>
-            </a:r>
-            <a:endParaRPr lang="en-US" dirty="0"/>
-          </a:p>
-        </p:txBody>
-      </p:sp>
-      <p:sp>
-        <p:nvSpPr>
-          <p:cNvPr id="3" name="Content Placeholder 2">
-            <a:extLst>
-              <a:ext uri="{FF2B5EF4-FFF2-40B4-BE49-F238E27FC236}">
-                <a16:creationId xmlns:a16="http://schemas.microsoft.com/office/drawing/2014/main" id="{D3E9437A-B8AE-1F55-FFD8-A67CCBC861B7}"/>
-              </a:ext>
-            </a:extLst>
-          </p:cNvPr>
-          <p:cNvSpPr>
-            <a:spLocks noGrp="1"/>
-          </p:cNvSpPr>
-          <p:nvPr>
-            <p:ph idx="1"/>
-          </p:nvPr>
-        </p:nvSpPr>
-        <p:spPr/>
-        <p:txBody>
-          <a:bodyPr/>
-          <a:lstStyle/>
-          <a:p>
-            <a:pPr marL="0" indent="0" algn="l">
-              <a:buNone/>
-            </a:pPr>
-            <a:r>
-              <a:rPr lang="en-US" b="0" i="0" dirty="0">
-                <a:solidFill>
-                  <a:srgbClr val="212121"/>
-                </a:solidFill>
-                <a:effectLst/>
-                <a:highlight>
-                  <a:srgbClr val="FFFFFF"/>
-                </a:highlight>
-                <a:latin typeface="Roboto" panose="02000000000000000000" pitchFamily="2" charset="0"/>
-              </a:rPr>
-              <a:t>These are used to compare two variables with each other.</a:t>
-            </a:r>
-          </a:p>
-          <a:p>
-            <a:pPr marL="0" indent="0" algn="l">
-              <a:buNone/>
-            </a:pPr>
-            <a:endParaRPr lang="en-US" b="0" i="0" dirty="0">
-              <a:solidFill>
-                <a:srgbClr val="212121"/>
-              </a:solidFill>
-              <a:effectLst/>
-              <a:highlight>
-                <a:srgbClr val="FFFFFF"/>
-              </a:highlight>
-              <a:latin typeface="Roboto" panose="02000000000000000000" pitchFamily="2" charset="0"/>
-            </a:endParaRPr>
-          </a:p>
-          <a:p>
-            <a:pPr lvl="1"/>
-            <a:r>
-              <a:rPr lang="en-US" b="0" i="0" dirty="0">
-                <a:solidFill>
-                  <a:srgbClr val="212121"/>
-                </a:solidFill>
-                <a:effectLst/>
-                <a:highlight>
-                  <a:srgbClr val="FFFFFF"/>
-                </a:highlight>
-                <a:latin typeface="Roboto" panose="02000000000000000000" pitchFamily="2" charset="0"/>
-              </a:rPr>
-              <a:t>"&gt;" is greater than</a:t>
-            </a:r>
-          </a:p>
-          <a:p>
-            <a:pPr lvl="1"/>
-            <a:r>
-              <a:rPr lang="en-US" b="0" i="0" dirty="0">
-                <a:solidFill>
-                  <a:srgbClr val="212121"/>
-                </a:solidFill>
-                <a:effectLst/>
-                <a:highlight>
-                  <a:srgbClr val="FFFFFF"/>
-                </a:highlight>
-                <a:latin typeface="Roboto" panose="02000000000000000000" pitchFamily="2" charset="0"/>
-              </a:rPr>
-              <a:t>"&lt;" is smaller than</a:t>
-            </a:r>
-          </a:p>
-          <a:p>
-            <a:pPr lvl="1"/>
-            <a:r>
-              <a:rPr lang="en-US" b="0" i="0" dirty="0">
-                <a:solidFill>
-                  <a:srgbClr val="212121"/>
-                </a:solidFill>
-                <a:effectLst/>
-                <a:highlight>
-                  <a:srgbClr val="FFFFFF"/>
-                </a:highlight>
-                <a:latin typeface="Roboto" panose="02000000000000000000" pitchFamily="2" charset="0"/>
-              </a:rPr>
-              <a:t>"&gt;=" is greater than or equal to</a:t>
-            </a:r>
-          </a:p>
-          <a:p>
-            <a:pPr lvl="1"/>
-            <a:r>
-              <a:rPr lang="en-US" b="0" i="0" dirty="0">
-                <a:solidFill>
-                  <a:srgbClr val="212121"/>
-                </a:solidFill>
-                <a:effectLst/>
-                <a:highlight>
-                  <a:srgbClr val="FFFFFF"/>
-                </a:highlight>
-                <a:latin typeface="Roboto" panose="02000000000000000000" pitchFamily="2" charset="0"/>
-              </a:rPr>
-              <a:t>"&lt;=" is smaller than or equal to</a:t>
-            </a:r>
-          </a:p>
-          <a:p>
-            <a:pPr lvl="1"/>
-            <a:r>
-              <a:rPr lang="en-US" b="0" i="0" dirty="0">
-                <a:solidFill>
-                  <a:srgbClr val="212121"/>
-                </a:solidFill>
-                <a:effectLst/>
-                <a:highlight>
-                  <a:srgbClr val="FFFFFF"/>
-                </a:highlight>
-                <a:latin typeface="Roboto" panose="02000000000000000000" pitchFamily="2" charset="0"/>
-              </a:rPr>
-              <a:t>"==" is equal to</a:t>
-            </a:r>
-          </a:p>
-          <a:p>
-            <a:pPr lvl="1"/>
-            <a:r>
-              <a:rPr lang="en-US" b="0" i="0" dirty="0">
-                <a:solidFill>
-                  <a:srgbClr val="212121"/>
-                </a:solidFill>
-                <a:effectLst/>
-                <a:highlight>
-                  <a:srgbClr val="FFFFFF"/>
-                </a:highlight>
-                <a:latin typeface="Roboto" panose="02000000000000000000" pitchFamily="2" charset="0"/>
-              </a:rPr>
-              <a:t>"!=" is not equal to</a:t>
-            </a:r>
-          </a:p>
-          <a:p>
-            <a:endParaRPr lang="en-US" dirty="0"/>
-          </a:p>
-        </p:txBody>
-      </p:sp>
-    </p:spTree>
-    <p:extLst>
-      <p:ext uri="{BB962C8B-B14F-4D97-AF65-F5344CB8AC3E}">
-        <p14:creationId xmlns:p14="http://schemas.microsoft.com/office/powerpoint/2010/main" val="3542893684"/>
-      </p:ext>
-    </p:extLst>
-  </p:cSld>
-  <p:clrMapOvr>
-    <a:masterClrMapping/>
-  </p:clrMapOvr>
-</p:sld>
-</file>
-
-<file path=ppt/slides/slide6.xml><?xml version="1.0" encoding="utf-8"?>
-<p:sld xmlns:a="http://schemas.openxmlformats.org/drawingml/2006/main" xmlns:r="http://schemas.openxmlformats.org/officeDocument/2006/relationships" xmlns:p="http://schemas.openxmlformats.org/presentationml/2006/main">
-  <p:cSld>
-    <p:spTree>
-      <p:nvGrpSpPr>
-        <p:cNvPr id="1" name=""/>
-        <p:cNvGrpSpPr/>
-        <p:nvPr/>
-      </p:nvGrpSpPr>
-      <p:grpSpPr>
-        <a:xfrm>
-          <a:off x="0" y="0"/>
-          <a:ext cx="0" cy="0"/>
-          <a:chOff x="0" y="0"/>
-          <a:chExt cx="0" cy="0"/>
-        </a:xfrm>
-      </p:grpSpPr>
-      <p:sp>
-        <p:nvSpPr>
-          <p:cNvPr id="2" name="Title 1">
-            <a:extLst>
-              <a:ext uri="{FF2B5EF4-FFF2-40B4-BE49-F238E27FC236}">
                 <a16:creationId xmlns:a16="http://schemas.microsoft.com/office/drawing/2014/main" id="{1D8B5425-7577-544D-7622-BABB9A7782E3}"/>
               </a:ext>
             </a:extLst>
@@ -4390,486 +4148,6 @@
     <p:extLst>
       <p:ext uri="{BB962C8B-B14F-4D97-AF65-F5344CB8AC3E}">
         <p14:creationId xmlns:p14="http://schemas.microsoft.com/office/powerpoint/2010/main" val="3724144529"/>
-      </p:ext>
-    </p:extLst>
-  </p:cSld>
-  <p:clrMapOvr>
-    <a:masterClrMapping/>
-  </p:clrMapOvr>
-</p:sld>
-</file>
-
-<file path=ppt/slides/slide7.xml><?xml version="1.0" encoding="utf-8"?>
-<p:sld xmlns:a="http://schemas.openxmlformats.org/drawingml/2006/main" xmlns:r="http://schemas.openxmlformats.org/officeDocument/2006/relationships" xmlns:p="http://schemas.openxmlformats.org/presentationml/2006/main">
-  <p:cSld>
-    <p:spTree>
-      <p:nvGrpSpPr>
-        <p:cNvPr id="1" name=""/>
-        <p:cNvGrpSpPr/>
-        <p:nvPr/>
-      </p:nvGrpSpPr>
-      <p:grpSpPr>
-        <a:xfrm>
-          <a:off x="0" y="0"/>
-          <a:ext cx="0" cy="0"/>
-          <a:chOff x="0" y="0"/>
-          <a:chExt cx="0" cy="0"/>
-        </a:xfrm>
-      </p:grpSpPr>
-      <p:sp>
-        <p:nvSpPr>
-          <p:cNvPr id="2" name="Title 1">
-            <a:extLst>
-              <a:ext uri="{FF2B5EF4-FFF2-40B4-BE49-F238E27FC236}">
-                <a16:creationId xmlns:a16="http://schemas.microsoft.com/office/drawing/2014/main" id="{45BFC99D-F36D-1A73-9A21-76BB0C2B6F85}"/>
-              </a:ext>
-            </a:extLst>
-          </p:cNvPr>
-          <p:cNvSpPr>
-            <a:spLocks noGrp="1"/>
-          </p:cNvSpPr>
-          <p:nvPr>
-            <p:ph type="title"/>
-          </p:nvPr>
-        </p:nvSpPr>
-        <p:spPr/>
-        <p:txBody>
-          <a:bodyPr/>
-          <a:lstStyle/>
-          <a:p>
-            <a:pPr algn="ctr"/>
-            <a:r>
-              <a:rPr lang="en-US" dirty="0"/>
-              <a:t>Conditional Statements</a:t>
-            </a:r>
-          </a:p>
-        </p:txBody>
-      </p:sp>
-      <p:sp>
-        <p:nvSpPr>
-          <p:cNvPr id="3" name="Content Placeholder 2">
-            <a:extLst>
-              <a:ext uri="{FF2B5EF4-FFF2-40B4-BE49-F238E27FC236}">
-                <a16:creationId xmlns:a16="http://schemas.microsoft.com/office/drawing/2014/main" id="{B11C63F2-8891-626E-5163-36ED5FA203D7}"/>
-              </a:ext>
-            </a:extLst>
-          </p:cNvPr>
-          <p:cNvSpPr>
-            <a:spLocks noGrp="1"/>
-          </p:cNvSpPr>
-          <p:nvPr>
-            <p:ph idx="1"/>
-          </p:nvPr>
-        </p:nvSpPr>
-        <p:spPr/>
-        <p:txBody>
-          <a:bodyPr/>
-          <a:lstStyle/>
-          <a:p>
-            <a:pPr marL="0" indent="0">
-              <a:buNone/>
-            </a:pPr>
-            <a:r>
-              <a:rPr lang="en-US" b="0" i="0" dirty="0">
-                <a:solidFill>
-                  <a:srgbClr val="0D0D0D"/>
-                </a:solidFill>
-                <a:effectLst/>
-                <a:highlight>
-                  <a:srgbClr val="FFFFFF"/>
-                </a:highlight>
-                <a:latin typeface="Söhne"/>
-              </a:rPr>
-              <a:t>Conditional statements in Python allow you to execute different blocks of code based on whether a certain condition is true or false. Most commonly used statements are as:</a:t>
-            </a:r>
-            <a:br>
-              <a:rPr lang="en-US" b="0" i="0" dirty="0">
-                <a:solidFill>
-                  <a:srgbClr val="0D0D0D"/>
-                </a:solidFill>
-                <a:effectLst/>
-                <a:highlight>
-                  <a:srgbClr val="FFFFFF"/>
-                </a:highlight>
-                <a:latin typeface="Söhne"/>
-              </a:rPr>
-            </a:br>
-            <a:endParaRPr lang="en-US" b="0" i="0" dirty="0">
-              <a:solidFill>
-                <a:srgbClr val="0D0D0D"/>
-              </a:solidFill>
-              <a:effectLst/>
-              <a:highlight>
-                <a:srgbClr val="FFFFFF"/>
-              </a:highlight>
-              <a:latin typeface="Söhne"/>
-            </a:endParaRPr>
-          </a:p>
-          <a:p>
-            <a:r>
-              <a:rPr lang="en-US" dirty="0">
-                <a:solidFill>
-                  <a:srgbClr val="0D0D0D"/>
-                </a:solidFill>
-                <a:highlight>
-                  <a:srgbClr val="FFFFFF"/>
-                </a:highlight>
-                <a:latin typeface="Söhne"/>
-              </a:rPr>
-              <a:t>If-else</a:t>
-            </a:r>
-          </a:p>
-          <a:p>
-            <a:r>
-              <a:rPr lang="en-US" b="0" i="0" dirty="0">
-                <a:solidFill>
-                  <a:srgbClr val="0D0D0D"/>
-                </a:solidFill>
-                <a:effectLst/>
-                <a:highlight>
-                  <a:srgbClr val="FFFFFF"/>
-                </a:highlight>
-                <a:latin typeface="Söhne"/>
-              </a:rPr>
-              <a:t>If-else-if</a:t>
-            </a:r>
-          </a:p>
-          <a:p>
-            <a:r>
-              <a:rPr lang="en-US" b="0" i="0" dirty="0">
-                <a:solidFill>
-                  <a:srgbClr val="0D0D0D"/>
-                </a:solidFill>
-                <a:effectLst/>
-                <a:highlight>
-                  <a:srgbClr val="FFFFFF"/>
-                </a:highlight>
-                <a:latin typeface="Söhne"/>
-              </a:rPr>
-              <a:t>Nested if</a:t>
-            </a:r>
-          </a:p>
-          <a:p>
-            <a:pPr marL="0" indent="0">
-              <a:buNone/>
-            </a:pPr>
-            <a:endParaRPr lang="en-US" dirty="0">
-              <a:solidFill>
-                <a:srgbClr val="0D0D0D"/>
-              </a:solidFill>
-              <a:highlight>
-                <a:srgbClr val="FFFFFF"/>
-              </a:highlight>
-              <a:latin typeface="Söhne"/>
-            </a:endParaRPr>
-          </a:p>
-          <a:p>
-            <a:endParaRPr lang="en-US" dirty="0"/>
-          </a:p>
-        </p:txBody>
-      </p:sp>
-    </p:spTree>
-    <p:extLst>
-      <p:ext uri="{BB962C8B-B14F-4D97-AF65-F5344CB8AC3E}">
-        <p14:creationId xmlns:p14="http://schemas.microsoft.com/office/powerpoint/2010/main" val="3863974535"/>
-      </p:ext>
-    </p:extLst>
-  </p:cSld>
-  <p:clrMapOvr>
-    <a:masterClrMapping/>
-  </p:clrMapOvr>
-</p:sld>
-</file>
-
-<file path=ppt/slides/slide8.xml><?xml version="1.0" encoding="utf-8"?>
-<p:sld xmlns:a="http://schemas.openxmlformats.org/drawingml/2006/main" xmlns:r="http://schemas.openxmlformats.org/officeDocument/2006/relationships" xmlns:p="http://schemas.openxmlformats.org/presentationml/2006/main">
-  <p:cSld>
-    <p:spTree>
-      <p:nvGrpSpPr>
-        <p:cNvPr id="1" name=""/>
-        <p:cNvGrpSpPr/>
-        <p:nvPr/>
-      </p:nvGrpSpPr>
-      <p:grpSpPr>
-        <a:xfrm>
-          <a:off x="0" y="0"/>
-          <a:ext cx="0" cy="0"/>
-          <a:chOff x="0" y="0"/>
-          <a:chExt cx="0" cy="0"/>
-        </a:xfrm>
-      </p:grpSpPr>
-      <p:sp>
-        <p:nvSpPr>
-          <p:cNvPr id="2" name="Title 1">
-            <a:extLst>
-              <a:ext uri="{FF2B5EF4-FFF2-40B4-BE49-F238E27FC236}">
-                <a16:creationId xmlns:a16="http://schemas.microsoft.com/office/drawing/2014/main" id="{F5582D19-C4C3-998D-F8BB-B6D4F07B2100}"/>
-              </a:ext>
-            </a:extLst>
-          </p:cNvPr>
-          <p:cNvSpPr>
-            <a:spLocks noGrp="1"/>
-          </p:cNvSpPr>
-          <p:nvPr>
-            <p:ph type="title"/>
-          </p:nvPr>
-        </p:nvSpPr>
-        <p:spPr/>
-        <p:txBody>
-          <a:bodyPr/>
-          <a:lstStyle/>
-          <a:p>
-            <a:pPr algn="ctr"/>
-            <a:r>
-              <a:rPr lang="en-US" dirty="0"/>
-              <a:t>If-else</a:t>
-            </a:r>
-          </a:p>
-        </p:txBody>
-      </p:sp>
-      <p:sp>
-        <p:nvSpPr>
-          <p:cNvPr id="3" name="Content Placeholder 2">
-            <a:extLst>
-              <a:ext uri="{FF2B5EF4-FFF2-40B4-BE49-F238E27FC236}">
-                <a16:creationId xmlns:a16="http://schemas.microsoft.com/office/drawing/2014/main" id="{419D542F-102F-A461-FA27-238DE493C7A7}"/>
-              </a:ext>
-            </a:extLst>
-          </p:cNvPr>
-          <p:cNvSpPr>
-            <a:spLocks noGrp="1"/>
-          </p:cNvSpPr>
-          <p:nvPr>
-            <p:ph idx="1"/>
-          </p:nvPr>
-        </p:nvSpPr>
-        <p:spPr/>
-        <p:txBody>
-          <a:bodyPr>
-            <a:normAutofit/>
-          </a:bodyPr>
-          <a:lstStyle/>
-          <a:p>
-            <a:pPr marL="0" indent="0" algn="ctr">
-              <a:buNone/>
-            </a:pPr>
-            <a:r>
-              <a:rPr lang="en-US" sz="4000" b="1" dirty="0"/>
-              <a:t>Syntax:</a:t>
-            </a:r>
-            <a:br>
-              <a:rPr lang="en-US" dirty="0"/>
-            </a:br>
-            <a:endParaRPr lang="en-US" dirty="0"/>
-          </a:p>
-          <a:p>
-            <a:pPr marL="0" indent="0">
-              <a:buNone/>
-            </a:pPr>
-            <a:r>
-              <a:rPr lang="en-US" b="1" dirty="0"/>
-              <a:t>if condition:</a:t>
-            </a:r>
-          </a:p>
-          <a:p>
-            <a:pPr marL="0" indent="0">
-              <a:buNone/>
-            </a:pPr>
-            <a:r>
-              <a:rPr lang="en-US" dirty="0"/>
-              <a:t>    # Block of code to be executed if the condition is True</a:t>
-            </a:r>
-          </a:p>
-          <a:p>
-            <a:pPr marL="0" indent="0">
-              <a:buNone/>
-            </a:pPr>
-            <a:r>
-              <a:rPr lang="en-US" b="1" dirty="0"/>
-              <a:t>else:</a:t>
-            </a:r>
-          </a:p>
-          <a:p>
-            <a:pPr marL="0" indent="0">
-              <a:buNone/>
-            </a:pPr>
-            <a:r>
-              <a:rPr lang="en-US" dirty="0"/>
-              <a:t>    # Block of code to be executed if none of the above condition are True</a:t>
-            </a:r>
-          </a:p>
-        </p:txBody>
-      </p:sp>
-    </p:spTree>
-    <p:extLst>
-      <p:ext uri="{BB962C8B-B14F-4D97-AF65-F5344CB8AC3E}">
-        <p14:creationId xmlns:p14="http://schemas.microsoft.com/office/powerpoint/2010/main" val="460192974"/>
-      </p:ext>
-    </p:extLst>
-  </p:cSld>
-  <p:clrMapOvr>
-    <a:masterClrMapping/>
-  </p:clrMapOvr>
-</p:sld>
-</file>
-
-<file path=ppt/slides/slide9.xml><?xml version="1.0" encoding="utf-8"?>
-<p:sld xmlns:a="http://schemas.openxmlformats.org/drawingml/2006/main" xmlns:r="http://schemas.openxmlformats.org/officeDocument/2006/relationships" xmlns:p="http://schemas.openxmlformats.org/presentationml/2006/main">
-  <p:cSld>
-    <p:spTree>
-      <p:nvGrpSpPr>
-        <p:cNvPr id="1" name=""/>
-        <p:cNvGrpSpPr/>
-        <p:nvPr/>
-      </p:nvGrpSpPr>
-      <p:grpSpPr>
-        <a:xfrm>
-          <a:off x="0" y="0"/>
-          <a:ext cx="0" cy="0"/>
-          <a:chOff x="0" y="0"/>
-          <a:chExt cx="0" cy="0"/>
-        </a:xfrm>
-      </p:grpSpPr>
-      <p:sp>
-        <p:nvSpPr>
-          <p:cNvPr id="2" name="Title 1">
-            <a:extLst>
-              <a:ext uri="{FF2B5EF4-FFF2-40B4-BE49-F238E27FC236}">
-                <a16:creationId xmlns:a16="http://schemas.microsoft.com/office/drawing/2014/main" id="{F5582D19-C4C3-998D-F8BB-B6D4F07B2100}"/>
-              </a:ext>
-            </a:extLst>
-          </p:cNvPr>
-          <p:cNvSpPr>
-            <a:spLocks noGrp="1"/>
-          </p:cNvSpPr>
-          <p:nvPr>
-            <p:ph type="title"/>
-          </p:nvPr>
-        </p:nvSpPr>
-        <p:spPr/>
-        <p:txBody>
-          <a:bodyPr/>
-          <a:lstStyle/>
-          <a:p>
-            <a:pPr algn="ctr"/>
-            <a:r>
-              <a:rPr lang="en-US" dirty="0"/>
-              <a:t>If-else-if</a:t>
-            </a:r>
-          </a:p>
-        </p:txBody>
-      </p:sp>
-      <p:sp>
-        <p:nvSpPr>
-          <p:cNvPr id="3" name="Content Placeholder 2">
-            <a:extLst>
-              <a:ext uri="{FF2B5EF4-FFF2-40B4-BE49-F238E27FC236}">
-                <a16:creationId xmlns:a16="http://schemas.microsoft.com/office/drawing/2014/main" id="{419D542F-102F-A461-FA27-238DE493C7A7}"/>
-              </a:ext>
-            </a:extLst>
-          </p:cNvPr>
-          <p:cNvSpPr>
-            <a:spLocks noGrp="1"/>
-          </p:cNvSpPr>
-          <p:nvPr>
-            <p:ph idx="1"/>
-          </p:nvPr>
-        </p:nvSpPr>
-        <p:spPr/>
-        <p:txBody>
-          <a:bodyPr>
-            <a:normAutofit fontScale="92500"/>
-          </a:bodyPr>
-          <a:lstStyle/>
-          <a:p>
-            <a:pPr marL="0" indent="0" algn="ctr">
-              <a:buNone/>
-            </a:pPr>
-            <a:r>
-              <a:rPr lang="en-US" sz="4000" b="1" dirty="0"/>
-              <a:t>Syntax:</a:t>
-            </a:r>
-            <a:br>
-              <a:rPr lang="en-US" dirty="0"/>
-            </a:br>
-            <a:endParaRPr lang="en-US" dirty="0"/>
-          </a:p>
-          <a:p>
-            <a:pPr marL="0" indent="0">
-              <a:buNone/>
-            </a:pPr>
-            <a:r>
-              <a:rPr lang="en-US" b="1" dirty="0"/>
-              <a:t>if condition:</a:t>
-            </a:r>
-          </a:p>
-          <a:p>
-            <a:pPr marL="0" indent="0">
-              <a:buNone/>
-            </a:pPr>
-            <a:r>
-              <a:rPr lang="en-US" b="1" dirty="0"/>
-              <a:t>    </a:t>
-            </a:r>
-            <a:r>
-              <a:rPr lang="en-US" dirty="0"/>
-              <a:t># Block of code to be executed if the condition is True</a:t>
-            </a:r>
-          </a:p>
-          <a:p>
-            <a:pPr marL="0" indent="0">
-              <a:buNone/>
-            </a:pPr>
-            <a:r>
-              <a:rPr lang="en-US" b="1" dirty="0" err="1"/>
-              <a:t>elif</a:t>
-            </a:r>
-            <a:r>
-              <a:rPr lang="en-US" b="1" dirty="0"/>
-              <a:t> </a:t>
-            </a:r>
-            <a:r>
-              <a:rPr lang="en-US" b="1" dirty="0" err="1"/>
-              <a:t>another_condition</a:t>
-            </a:r>
-            <a:r>
-              <a:rPr lang="en-US" b="1" dirty="0"/>
-              <a:t>:</a:t>
-            </a:r>
-          </a:p>
-          <a:p>
-            <a:pPr marL="0" indent="0">
-              <a:buNone/>
-            </a:pPr>
-            <a:r>
-              <a:rPr lang="en-US" dirty="0"/>
-              <a:t>    # Block of code to be executed if the first condition is False and this    condition is True</a:t>
-            </a:r>
-          </a:p>
-          <a:p>
-            <a:pPr marL="0" indent="0">
-              <a:buNone/>
-            </a:pPr>
-            <a:r>
-              <a:rPr lang="en-US" b="1" dirty="0"/>
-              <a:t>else:</a:t>
-            </a:r>
-          </a:p>
-          <a:p>
-            <a:pPr marL="0" indent="0">
-              <a:buNone/>
-            </a:pPr>
-            <a:r>
-              <a:rPr lang="en-US" dirty="0"/>
-              <a:t>    # Block of code to be executed if none of the above conditions are True</a:t>
-            </a:r>
-          </a:p>
-        </p:txBody>
-      </p:sp>
-    </p:spTree>
-    <p:extLst>
-      <p:ext uri="{BB962C8B-B14F-4D97-AF65-F5344CB8AC3E}">
-        <p14:creationId xmlns:p14="http://schemas.microsoft.com/office/powerpoint/2010/main" val="1026078259"/>
       </p:ext>
     </p:extLst>
   </p:cSld>

--- a/Class 5/Operator.pptx
+++ b/Class 5/Operator.pptx
@@ -3478,7 +3478,7 @@
           <a:p>
             <a:pPr lvl="1"/>
             <a:r>
-              <a:rPr lang="en-US" b="0" i="0" dirty="0">
+              <a:rPr lang="en-US" b="0" i="0">
                 <a:solidFill>
                   <a:srgbClr val="212121"/>
                 </a:solidFill>
@@ -3488,8 +3488,18 @@
                 </a:highlight>
                 <a:latin typeface="Roboto" panose="02000000000000000000" pitchFamily="2" charset="0"/>
               </a:rPr>
-              <a:t>Arithmetic operators</a:t>
-            </a:r>
+              <a:t>Arithmetic operators (Class-4)</a:t>
+            </a:r>
+            <a:endParaRPr lang="en-US" b="0" i="0" dirty="0">
+              <a:solidFill>
+                <a:srgbClr val="212121"/>
+              </a:solidFill>
+              <a:effectLst/>
+              <a:highlight>
+                <a:srgbClr val="FFFFFF"/>
+              </a:highlight>
+              <a:latin typeface="Roboto" panose="02000000000000000000" pitchFamily="2" charset="0"/>
+            </a:endParaRPr>
           </a:p>
           <a:p>
             <a:pPr lvl="1"/>
